--- a/ppt 16-9/1095.生命路.pptx
+++ b/ppt 16-9/1095.生命路.pptx
@@ -129,7 +129,7 @@
           <p:cNvPr id="2" name="标题 1">
             <a:extLst>
               <a:ext uri="{FF2B5EF4-FFF2-40B4-BE49-F238E27FC236}">
-                <a16:creationId xmlns:a16="http://schemas.microsoft.com/office/drawing/2014/main" id="{ABDB3C0C-6636-E9DF-9B53-BCF83E9F7163}"/>
+                <a16:creationId xmlns:a16="http://schemas.microsoft.com/office/drawing/2014/main" id="{DBF8D2D4-4953-15BF-B711-6C109083F06C}"/>
               </a:ext>
             </a:extLst>
           </p:cNvPr>
@@ -166,7 +166,7 @@
           <p:cNvPr id="3" name="副标题 2">
             <a:extLst>
               <a:ext uri="{FF2B5EF4-FFF2-40B4-BE49-F238E27FC236}">
-                <a16:creationId xmlns:a16="http://schemas.microsoft.com/office/drawing/2014/main" id="{C3D37C78-AB61-20E8-80A6-9282B2D11924}"/>
+                <a16:creationId xmlns:a16="http://schemas.microsoft.com/office/drawing/2014/main" id="{D473FD96-3F63-3E1A-4604-5801D20951A7}"/>
               </a:ext>
             </a:extLst>
           </p:cNvPr>
@@ -236,7 +236,7 @@
           <p:cNvPr id="4" name="日期占位符 3">
             <a:extLst>
               <a:ext uri="{FF2B5EF4-FFF2-40B4-BE49-F238E27FC236}">
-                <a16:creationId xmlns:a16="http://schemas.microsoft.com/office/drawing/2014/main" id="{599403D6-6111-B593-5173-B968DC5289F4}"/>
+                <a16:creationId xmlns:a16="http://schemas.microsoft.com/office/drawing/2014/main" id="{9249D7FA-6701-3CD5-8D71-5FB5D884A12F}"/>
               </a:ext>
             </a:extLst>
           </p:cNvPr>
@@ -252,7 +252,7 @@
           <a:bodyPr/>
           <a:lstStyle/>
           <a:p>
-            <a:fld id="{4748C4EB-7C04-4E16-A3A4-FA6E305D1954}" type="datetimeFigureOut">
+            <a:fld id="{4A4E5BE1-211C-4FC7-BE73-B2FB116DDEC7}" type="datetimeFigureOut">
               <a:rPr lang="zh-CN" altLang="en-US" smtClean="0"/>
               <a:t>2024/3/10</a:t>
             </a:fld>
@@ -265,7 +265,7 @@
           <p:cNvPr id="5" name="页脚占位符 4">
             <a:extLst>
               <a:ext uri="{FF2B5EF4-FFF2-40B4-BE49-F238E27FC236}">
-                <a16:creationId xmlns:a16="http://schemas.microsoft.com/office/drawing/2014/main" id="{D34E8F1D-DF06-3D17-FB71-31F9F5948304}"/>
+                <a16:creationId xmlns:a16="http://schemas.microsoft.com/office/drawing/2014/main" id="{67E53E38-A831-99DE-F02B-0E1324819623}"/>
               </a:ext>
             </a:extLst>
           </p:cNvPr>
@@ -290,7 +290,7 @@
           <p:cNvPr id="6" name="灯片编号占位符 5">
             <a:extLst>
               <a:ext uri="{FF2B5EF4-FFF2-40B4-BE49-F238E27FC236}">
-                <a16:creationId xmlns:a16="http://schemas.microsoft.com/office/drawing/2014/main" id="{35EEC783-F9A2-A611-C3A5-121308C5D760}"/>
+                <a16:creationId xmlns:a16="http://schemas.microsoft.com/office/drawing/2014/main" id="{B4410728-22D2-6DEB-CB80-002CD485476B}"/>
               </a:ext>
             </a:extLst>
           </p:cNvPr>
@@ -306,7 +306,7 @@
           <a:bodyPr/>
           <a:lstStyle/>
           <a:p>
-            <a:fld id="{A18A5969-8264-41F0-9E13-88893951A912}" type="slidenum">
+            <a:fld id="{C3769FA3-D78A-431E-B2B4-816663F8AD9B}" type="slidenum">
               <a:rPr lang="zh-CN" altLang="en-US" smtClean="0"/>
               <a:t>‹#›</a:t>
             </a:fld>
@@ -317,7 +317,7 @@
     </p:spTree>
     <p:extLst>
       <p:ext uri="{BB962C8B-B14F-4D97-AF65-F5344CB8AC3E}">
-        <p14:creationId xmlns:p14="http://schemas.microsoft.com/office/powerpoint/2010/main" val="3766514824"/>
+        <p14:creationId xmlns:p14="http://schemas.microsoft.com/office/powerpoint/2010/main" val="1189336971"/>
       </p:ext>
     </p:extLst>
   </p:cSld>
@@ -349,7 +349,7 @@
           <p:cNvPr id="2" name="标题 1">
             <a:extLst>
               <a:ext uri="{FF2B5EF4-FFF2-40B4-BE49-F238E27FC236}">
-                <a16:creationId xmlns:a16="http://schemas.microsoft.com/office/drawing/2014/main" id="{3EB5CD94-AA34-A5E4-79F1-825755DAC5D4}"/>
+                <a16:creationId xmlns:a16="http://schemas.microsoft.com/office/drawing/2014/main" id="{814AA5B0-8C5D-C107-DA38-5254A9D21DA2}"/>
               </a:ext>
             </a:extLst>
           </p:cNvPr>
@@ -377,7 +377,7 @@
           <p:cNvPr id="3" name="竖排文字占位符 2">
             <a:extLst>
               <a:ext uri="{FF2B5EF4-FFF2-40B4-BE49-F238E27FC236}">
-                <a16:creationId xmlns:a16="http://schemas.microsoft.com/office/drawing/2014/main" id="{12047CEF-5A1C-FF40-4A78-A215F2E8A416}"/>
+                <a16:creationId xmlns:a16="http://schemas.microsoft.com/office/drawing/2014/main" id="{98A74313-712A-8289-EB7C-169E529BBE02}"/>
               </a:ext>
             </a:extLst>
           </p:cNvPr>
@@ -434,7 +434,7 @@
           <p:cNvPr id="4" name="日期占位符 3">
             <a:extLst>
               <a:ext uri="{FF2B5EF4-FFF2-40B4-BE49-F238E27FC236}">
-                <a16:creationId xmlns:a16="http://schemas.microsoft.com/office/drawing/2014/main" id="{C5EA2BA7-9620-51F9-7FCF-EBD585A348A0}"/>
+                <a16:creationId xmlns:a16="http://schemas.microsoft.com/office/drawing/2014/main" id="{78382D66-A6D4-5F34-B664-BD2A229D6544}"/>
               </a:ext>
             </a:extLst>
           </p:cNvPr>
@@ -450,7 +450,7 @@
           <a:bodyPr/>
           <a:lstStyle/>
           <a:p>
-            <a:fld id="{4748C4EB-7C04-4E16-A3A4-FA6E305D1954}" type="datetimeFigureOut">
+            <a:fld id="{4A4E5BE1-211C-4FC7-BE73-B2FB116DDEC7}" type="datetimeFigureOut">
               <a:rPr lang="zh-CN" altLang="en-US" smtClean="0"/>
               <a:t>2024/3/10</a:t>
             </a:fld>
@@ -463,7 +463,7 @@
           <p:cNvPr id="5" name="页脚占位符 4">
             <a:extLst>
               <a:ext uri="{FF2B5EF4-FFF2-40B4-BE49-F238E27FC236}">
-                <a16:creationId xmlns:a16="http://schemas.microsoft.com/office/drawing/2014/main" id="{AFB7AB0D-282E-85D5-511C-C41790EAADBB}"/>
+                <a16:creationId xmlns:a16="http://schemas.microsoft.com/office/drawing/2014/main" id="{EA5757A6-3DDD-2B71-28F6-CB4161CE1342}"/>
               </a:ext>
             </a:extLst>
           </p:cNvPr>
@@ -488,7 +488,7 @@
           <p:cNvPr id="6" name="灯片编号占位符 5">
             <a:extLst>
               <a:ext uri="{FF2B5EF4-FFF2-40B4-BE49-F238E27FC236}">
-                <a16:creationId xmlns:a16="http://schemas.microsoft.com/office/drawing/2014/main" id="{6268CBBC-551E-CA0F-F628-D0D2CDA63D6C}"/>
+                <a16:creationId xmlns:a16="http://schemas.microsoft.com/office/drawing/2014/main" id="{AB52E395-2D15-5C74-BCCA-17AE5ECEE57C}"/>
               </a:ext>
             </a:extLst>
           </p:cNvPr>
@@ -504,7 +504,7 @@
           <a:bodyPr/>
           <a:lstStyle/>
           <a:p>
-            <a:fld id="{A18A5969-8264-41F0-9E13-88893951A912}" type="slidenum">
+            <a:fld id="{C3769FA3-D78A-431E-B2B4-816663F8AD9B}" type="slidenum">
               <a:rPr lang="zh-CN" altLang="en-US" smtClean="0"/>
               <a:t>‹#›</a:t>
             </a:fld>
@@ -515,7 +515,7 @@
     </p:spTree>
     <p:extLst>
       <p:ext uri="{BB962C8B-B14F-4D97-AF65-F5344CB8AC3E}">
-        <p14:creationId xmlns:p14="http://schemas.microsoft.com/office/powerpoint/2010/main" val="14120007"/>
+        <p14:creationId xmlns:p14="http://schemas.microsoft.com/office/powerpoint/2010/main" val="1495787454"/>
       </p:ext>
     </p:extLst>
   </p:cSld>
@@ -547,7 +547,7 @@
           <p:cNvPr id="2" name="竖排标题 1">
             <a:extLst>
               <a:ext uri="{FF2B5EF4-FFF2-40B4-BE49-F238E27FC236}">
-                <a16:creationId xmlns:a16="http://schemas.microsoft.com/office/drawing/2014/main" id="{8777BF99-15C2-3AB9-BD9E-7B08E3F5016E}"/>
+                <a16:creationId xmlns:a16="http://schemas.microsoft.com/office/drawing/2014/main" id="{8EAD6F98-2C3E-67E1-BCD6-F73233FC9558}"/>
               </a:ext>
             </a:extLst>
           </p:cNvPr>
@@ -580,7 +580,7 @@
           <p:cNvPr id="3" name="竖排文字占位符 2">
             <a:extLst>
               <a:ext uri="{FF2B5EF4-FFF2-40B4-BE49-F238E27FC236}">
-                <a16:creationId xmlns:a16="http://schemas.microsoft.com/office/drawing/2014/main" id="{2834B217-A4F5-80B5-64F1-C7CD4BFE0253}"/>
+                <a16:creationId xmlns:a16="http://schemas.microsoft.com/office/drawing/2014/main" id="{608E49DC-FA44-3DEF-BF39-CF7CBF9D88BE}"/>
               </a:ext>
             </a:extLst>
           </p:cNvPr>
@@ -642,7 +642,7 @@
           <p:cNvPr id="4" name="日期占位符 3">
             <a:extLst>
               <a:ext uri="{FF2B5EF4-FFF2-40B4-BE49-F238E27FC236}">
-                <a16:creationId xmlns:a16="http://schemas.microsoft.com/office/drawing/2014/main" id="{0D6807FE-0F28-9292-DE49-604BFDE86678}"/>
+                <a16:creationId xmlns:a16="http://schemas.microsoft.com/office/drawing/2014/main" id="{5C2BAAF3-B53A-7F18-F862-B5E223239D87}"/>
               </a:ext>
             </a:extLst>
           </p:cNvPr>
@@ -658,7 +658,7 @@
           <a:bodyPr/>
           <a:lstStyle/>
           <a:p>
-            <a:fld id="{4748C4EB-7C04-4E16-A3A4-FA6E305D1954}" type="datetimeFigureOut">
+            <a:fld id="{4A4E5BE1-211C-4FC7-BE73-B2FB116DDEC7}" type="datetimeFigureOut">
               <a:rPr lang="zh-CN" altLang="en-US" smtClean="0"/>
               <a:t>2024/3/10</a:t>
             </a:fld>
@@ -671,7 +671,7 @@
           <p:cNvPr id="5" name="页脚占位符 4">
             <a:extLst>
               <a:ext uri="{FF2B5EF4-FFF2-40B4-BE49-F238E27FC236}">
-                <a16:creationId xmlns:a16="http://schemas.microsoft.com/office/drawing/2014/main" id="{B7BA7BAF-80EF-4765-491B-8CBDD33B8861}"/>
+                <a16:creationId xmlns:a16="http://schemas.microsoft.com/office/drawing/2014/main" id="{6BBD8925-4AA5-965B-8E5C-B852B9E68665}"/>
               </a:ext>
             </a:extLst>
           </p:cNvPr>
@@ -696,7 +696,7 @@
           <p:cNvPr id="6" name="灯片编号占位符 5">
             <a:extLst>
               <a:ext uri="{FF2B5EF4-FFF2-40B4-BE49-F238E27FC236}">
-                <a16:creationId xmlns:a16="http://schemas.microsoft.com/office/drawing/2014/main" id="{7DCDB310-F226-7F93-D703-F72802FBA2F1}"/>
+                <a16:creationId xmlns:a16="http://schemas.microsoft.com/office/drawing/2014/main" id="{86DDFD38-E812-93E0-5DBE-3EBDE6424336}"/>
               </a:ext>
             </a:extLst>
           </p:cNvPr>
@@ -712,7 +712,7 @@
           <a:bodyPr/>
           <a:lstStyle/>
           <a:p>
-            <a:fld id="{A18A5969-8264-41F0-9E13-88893951A912}" type="slidenum">
+            <a:fld id="{C3769FA3-D78A-431E-B2B4-816663F8AD9B}" type="slidenum">
               <a:rPr lang="zh-CN" altLang="en-US" smtClean="0"/>
               <a:t>‹#›</a:t>
             </a:fld>
@@ -723,7 +723,7 @@
     </p:spTree>
     <p:extLst>
       <p:ext uri="{BB962C8B-B14F-4D97-AF65-F5344CB8AC3E}">
-        <p14:creationId xmlns:p14="http://schemas.microsoft.com/office/powerpoint/2010/main" val="1214277551"/>
+        <p14:creationId xmlns:p14="http://schemas.microsoft.com/office/powerpoint/2010/main" val="4108867072"/>
       </p:ext>
     </p:extLst>
   </p:cSld>
@@ -755,7 +755,7 @@
           <p:cNvPr id="2" name="标题 1">
             <a:extLst>
               <a:ext uri="{FF2B5EF4-FFF2-40B4-BE49-F238E27FC236}">
-                <a16:creationId xmlns:a16="http://schemas.microsoft.com/office/drawing/2014/main" id="{3D91DAE7-BDC1-6820-3DF3-E654C87A344B}"/>
+                <a16:creationId xmlns:a16="http://schemas.microsoft.com/office/drawing/2014/main" id="{C5DAC8F0-F959-3E1A-F541-F0D7845337C2}"/>
               </a:ext>
             </a:extLst>
           </p:cNvPr>
@@ -783,7 +783,7 @@
           <p:cNvPr id="3" name="内容占位符 2">
             <a:extLst>
               <a:ext uri="{FF2B5EF4-FFF2-40B4-BE49-F238E27FC236}">
-                <a16:creationId xmlns:a16="http://schemas.microsoft.com/office/drawing/2014/main" id="{593C9509-6014-BB52-273F-AD4693D6FBA1}"/>
+                <a16:creationId xmlns:a16="http://schemas.microsoft.com/office/drawing/2014/main" id="{F552AAAA-67CF-9896-F1B3-A7A3908297A1}"/>
               </a:ext>
             </a:extLst>
           </p:cNvPr>
@@ -840,7 +840,7 @@
           <p:cNvPr id="4" name="日期占位符 3">
             <a:extLst>
               <a:ext uri="{FF2B5EF4-FFF2-40B4-BE49-F238E27FC236}">
-                <a16:creationId xmlns:a16="http://schemas.microsoft.com/office/drawing/2014/main" id="{AE221C02-8148-1B12-C884-C7871B508495}"/>
+                <a16:creationId xmlns:a16="http://schemas.microsoft.com/office/drawing/2014/main" id="{AA1EA8C8-0294-0CA3-6E2F-10DF7FFB8661}"/>
               </a:ext>
             </a:extLst>
           </p:cNvPr>
@@ -856,7 +856,7 @@
           <a:bodyPr/>
           <a:lstStyle/>
           <a:p>
-            <a:fld id="{4748C4EB-7C04-4E16-A3A4-FA6E305D1954}" type="datetimeFigureOut">
+            <a:fld id="{4A4E5BE1-211C-4FC7-BE73-B2FB116DDEC7}" type="datetimeFigureOut">
               <a:rPr lang="zh-CN" altLang="en-US" smtClean="0"/>
               <a:t>2024/3/10</a:t>
             </a:fld>
@@ -869,7 +869,7 @@
           <p:cNvPr id="5" name="页脚占位符 4">
             <a:extLst>
               <a:ext uri="{FF2B5EF4-FFF2-40B4-BE49-F238E27FC236}">
-                <a16:creationId xmlns:a16="http://schemas.microsoft.com/office/drawing/2014/main" id="{377C06E7-ABB6-9E83-192F-CD989130B8C1}"/>
+                <a16:creationId xmlns:a16="http://schemas.microsoft.com/office/drawing/2014/main" id="{4E35A82B-53B8-2656-3A70-281A7611E56F}"/>
               </a:ext>
             </a:extLst>
           </p:cNvPr>
@@ -894,7 +894,7 @@
           <p:cNvPr id="6" name="灯片编号占位符 5">
             <a:extLst>
               <a:ext uri="{FF2B5EF4-FFF2-40B4-BE49-F238E27FC236}">
-                <a16:creationId xmlns:a16="http://schemas.microsoft.com/office/drawing/2014/main" id="{4245DF77-BD39-3EA5-637C-D18CFEE3D237}"/>
+                <a16:creationId xmlns:a16="http://schemas.microsoft.com/office/drawing/2014/main" id="{41D310AB-7DF8-C28E-E30E-6562B94DB586}"/>
               </a:ext>
             </a:extLst>
           </p:cNvPr>
@@ -910,7 +910,7 @@
           <a:bodyPr/>
           <a:lstStyle/>
           <a:p>
-            <a:fld id="{A18A5969-8264-41F0-9E13-88893951A912}" type="slidenum">
+            <a:fld id="{C3769FA3-D78A-431E-B2B4-816663F8AD9B}" type="slidenum">
               <a:rPr lang="zh-CN" altLang="en-US" smtClean="0"/>
               <a:t>‹#›</a:t>
             </a:fld>
@@ -921,7 +921,7 @@
     </p:spTree>
     <p:extLst>
       <p:ext uri="{BB962C8B-B14F-4D97-AF65-F5344CB8AC3E}">
-        <p14:creationId xmlns:p14="http://schemas.microsoft.com/office/powerpoint/2010/main" val="3565453565"/>
+        <p14:creationId xmlns:p14="http://schemas.microsoft.com/office/powerpoint/2010/main" val="625259375"/>
       </p:ext>
     </p:extLst>
   </p:cSld>
@@ -953,7 +953,7 @@
           <p:cNvPr id="2" name="标题 1">
             <a:extLst>
               <a:ext uri="{FF2B5EF4-FFF2-40B4-BE49-F238E27FC236}">
-                <a16:creationId xmlns:a16="http://schemas.microsoft.com/office/drawing/2014/main" id="{AB90A03E-2A2E-A29D-E9AB-F413C2AE1B5C}"/>
+                <a16:creationId xmlns:a16="http://schemas.microsoft.com/office/drawing/2014/main" id="{B61489DC-FCC9-539F-E92A-8829FBB931B0}"/>
               </a:ext>
             </a:extLst>
           </p:cNvPr>
@@ -990,7 +990,7 @@
           <p:cNvPr id="3" name="文本占位符 2">
             <a:extLst>
               <a:ext uri="{FF2B5EF4-FFF2-40B4-BE49-F238E27FC236}">
-                <a16:creationId xmlns:a16="http://schemas.microsoft.com/office/drawing/2014/main" id="{6D9992BD-3676-2B1D-257F-23B82339C612}"/>
+                <a16:creationId xmlns:a16="http://schemas.microsoft.com/office/drawing/2014/main" id="{A47985FB-1CC4-7DBA-FAAC-851F7C31326F}"/>
               </a:ext>
             </a:extLst>
           </p:cNvPr>
@@ -1115,7 +1115,7 @@
           <p:cNvPr id="4" name="日期占位符 3">
             <a:extLst>
               <a:ext uri="{FF2B5EF4-FFF2-40B4-BE49-F238E27FC236}">
-                <a16:creationId xmlns:a16="http://schemas.microsoft.com/office/drawing/2014/main" id="{4F5B2976-E08D-AF99-84E8-457115DE7305}"/>
+                <a16:creationId xmlns:a16="http://schemas.microsoft.com/office/drawing/2014/main" id="{1715FA7C-0021-FBA5-56C8-D3CFE75442BB}"/>
               </a:ext>
             </a:extLst>
           </p:cNvPr>
@@ -1131,7 +1131,7 @@
           <a:bodyPr/>
           <a:lstStyle/>
           <a:p>
-            <a:fld id="{4748C4EB-7C04-4E16-A3A4-FA6E305D1954}" type="datetimeFigureOut">
+            <a:fld id="{4A4E5BE1-211C-4FC7-BE73-B2FB116DDEC7}" type="datetimeFigureOut">
               <a:rPr lang="zh-CN" altLang="en-US" smtClean="0"/>
               <a:t>2024/3/10</a:t>
             </a:fld>
@@ -1144,7 +1144,7 @@
           <p:cNvPr id="5" name="页脚占位符 4">
             <a:extLst>
               <a:ext uri="{FF2B5EF4-FFF2-40B4-BE49-F238E27FC236}">
-                <a16:creationId xmlns:a16="http://schemas.microsoft.com/office/drawing/2014/main" id="{061D87DF-3A98-9BEC-A515-71A3DA2A0731}"/>
+                <a16:creationId xmlns:a16="http://schemas.microsoft.com/office/drawing/2014/main" id="{BD7374BF-4D66-152E-6B15-AEBB5256D00B}"/>
               </a:ext>
             </a:extLst>
           </p:cNvPr>
@@ -1169,7 +1169,7 @@
           <p:cNvPr id="6" name="灯片编号占位符 5">
             <a:extLst>
               <a:ext uri="{FF2B5EF4-FFF2-40B4-BE49-F238E27FC236}">
-                <a16:creationId xmlns:a16="http://schemas.microsoft.com/office/drawing/2014/main" id="{29E3A791-7AE1-3C31-1A93-469E1764BCAF}"/>
+                <a16:creationId xmlns:a16="http://schemas.microsoft.com/office/drawing/2014/main" id="{0F00894A-8D72-69DD-54C0-84D82082C911}"/>
               </a:ext>
             </a:extLst>
           </p:cNvPr>
@@ -1185,7 +1185,7 @@
           <a:bodyPr/>
           <a:lstStyle/>
           <a:p>
-            <a:fld id="{A18A5969-8264-41F0-9E13-88893951A912}" type="slidenum">
+            <a:fld id="{C3769FA3-D78A-431E-B2B4-816663F8AD9B}" type="slidenum">
               <a:rPr lang="zh-CN" altLang="en-US" smtClean="0"/>
               <a:t>‹#›</a:t>
             </a:fld>
@@ -1196,7 +1196,7 @@
     </p:spTree>
     <p:extLst>
       <p:ext uri="{BB962C8B-B14F-4D97-AF65-F5344CB8AC3E}">
-        <p14:creationId xmlns:p14="http://schemas.microsoft.com/office/powerpoint/2010/main" val="2773224630"/>
+        <p14:creationId xmlns:p14="http://schemas.microsoft.com/office/powerpoint/2010/main" val="2802440331"/>
       </p:ext>
     </p:extLst>
   </p:cSld>
@@ -1228,7 +1228,7 @@
           <p:cNvPr id="2" name="标题 1">
             <a:extLst>
               <a:ext uri="{FF2B5EF4-FFF2-40B4-BE49-F238E27FC236}">
-                <a16:creationId xmlns:a16="http://schemas.microsoft.com/office/drawing/2014/main" id="{7CC25079-B9D1-8805-ADAC-72CAC21B89E9}"/>
+                <a16:creationId xmlns:a16="http://schemas.microsoft.com/office/drawing/2014/main" id="{FD8EAC09-375F-E719-F319-A3BE96ED8967}"/>
               </a:ext>
             </a:extLst>
           </p:cNvPr>
@@ -1256,7 +1256,7 @@
           <p:cNvPr id="3" name="内容占位符 2">
             <a:extLst>
               <a:ext uri="{FF2B5EF4-FFF2-40B4-BE49-F238E27FC236}">
-                <a16:creationId xmlns:a16="http://schemas.microsoft.com/office/drawing/2014/main" id="{C57FE668-4D6D-E3A4-F549-3319F4C41263}"/>
+                <a16:creationId xmlns:a16="http://schemas.microsoft.com/office/drawing/2014/main" id="{2F5E668B-A82E-5674-433D-50330FD2D04D}"/>
               </a:ext>
             </a:extLst>
           </p:cNvPr>
@@ -1318,7 +1318,7 @@
           <p:cNvPr id="4" name="内容占位符 3">
             <a:extLst>
               <a:ext uri="{FF2B5EF4-FFF2-40B4-BE49-F238E27FC236}">
-                <a16:creationId xmlns:a16="http://schemas.microsoft.com/office/drawing/2014/main" id="{2EBDB4F9-A827-8411-1DAC-471688EBC69C}"/>
+                <a16:creationId xmlns:a16="http://schemas.microsoft.com/office/drawing/2014/main" id="{33476764-A3F2-CB0B-6E3D-3F04AAE3B671}"/>
               </a:ext>
             </a:extLst>
           </p:cNvPr>
@@ -1380,7 +1380,7 @@
           <p:cNvPr id="5" name="日期占位符 4">
             <a:extLst>
               <a:ext uri="{FF2B5EF4-FFF2-40B4-BE49-F238E27FC236}">
-                <a16:creationId xmlns:a16="http://schemas.microsoft.com/office/drawing/2014/main" id="{16C0F36E-B321-3A94-FD70-B1A8AAB7C1B0}"/>
+                <a16:creationId xmlns:a16="http://schemas.microsoft.com/office/drawing/2014/main" id="{389E7219-3423-472E-06AD-C1DCD88996E8}"/>
               </a:ext>
             </a:extLst>
           </p:cNvPr>
@@ -1396,7 +1396,7 @@
           <a:bodyPr/>
           <a:lstStyle/>
           <a:p>
-            <a:fld id="{4748C4EB-7C04-4E16-A3A4-FA6E305D1954}" type="datetimeFigureOut">
+            <a:fld id="{4A4E5BE1-211C-4FC7-BE73-B2FB116DDEC7}" type="datetimeFigureOut">
               <a:rPr lang="zh-CN" altLang="en-US" smtClean="0"/>
               <a:t>2024/3/10</a:t>
             </a:fld>
@@ -1409,7 +1409,7 @@
           <p:cNvPr id="6" name="页脚占位符 5">
             <a:extLst>
               <a:ext uri="{FF2B5EF4-FFF2-40B4-BE49-F238E27FC236}">
-                <a16:creationId xmlns:a16="http://schemas.microsoft.com/office/drawing/2014/main" id="{52AE09F9-99B3-F63F-C767-E57D357AE56D}"/>
+                <a16:creationId xmlns:a16="http://schemas.microsoft.com/office/drawing/2014/main" id="{E97FCFCD-FB29-3043-CF21-B2FEC1328D27}"/>
               </a:ext>
             </a:extLst>
           </p:cNvPr>
@@ -1434,7 +1434,7 @@
           <p:cNvPr id="7" name="灯片编号占位符 6">
             <a:extLst>
               <a:ext uri="{FF2B5EF4-FFF2-40B4-BE49-F238E27FC236}">
-                <a16:creationId xmlns:a16="http://schemas.microsoft.com/office/drawing/2014/main" id="{830163BB-A0DC-C14E-9184-BE366E397F96}"/>
+                <a16:creationId xmlns:a16="http://schemas.microsoft.com/office/drawing/2014/main" id="{70081E33-5EE7-54DA-A45B-EA63A0FD7D84}"/>
               </a:ext>
             </a:extLst>
           </p:cNvPr>
@@ -1450,7 +1450,7 @@
           <a:bodyPr/>
           <a:lstStyle/>
           <a:p>
-            <a:fld id="{A18A5969-8264-41F0-9E13-88893951A912}" type="slidenum">
+            <a:fld id="{C3769FA3-D78A-431E-B2B4-816663F8AD9B}" type="slidenum">
               <a:rPr lang="zh-CN" altLang="en-US" smtClean="0"/>
               <a:t>‹#›</a:t>
             </a:fld>
@@ -1461,7 +1461,7 @@
     </p:spTree>
     <p:extLst>
       <p:ext uri="{BB962C8B-B14F-4D97-AF65-F5344CB8AC3E}">
-        <p14:creationId xmlns:p14="http://schemas.microsoft.com/office/powerpoint/2010/main" val="3551984196"/>
+        <p14:creationId xmlns:p14="http://schemas.microsoft.com/office/powerpoint/2010/main" val="3666966186"/>
       </p:ext>
     </p:extLst>
   </p:cSld>
@@ -1493,7 +1493,7 @@
           <p:cNvPr id="2" name="标题 1">
             <a:extLst>
               <a:ext uri="{FF2B5EF4-FFF2-40B4-BE49-F238E27FC236}">
-                <a16:creationId xmlns:a16="http://schemas.microsoft.com/office/drawing/2014/main" id="{2D71F99B-20CE-2B82-7A09-9C384DF25C15}"/>
+                <a16:creationId xmlns:a16="http://schemas.microsoft.com/office/drawing/2014/main" id="{B386E399-AA9C-29FD-ED3B-EB1A19C4650D}"/>
               </a:ext>
             </a:extLst>
           </p:cNvPr>
@@ -1526,7 +1526,7 @@
           <p:cNvPr id="3" name="文本占位符 2">
             <a:extLst>
               <a:ext uri="{FF2B5EF4-FFF2-40B4-BE49-F238E27FC236}">
-                <a16:creationId xmlns:a16="http://schemas.microsoft.com/office/drawing/2014/main" id="{3501138F-0D29-96DD-FE9E-386F08FA5E74}"/>
+                <a16:creationId xmlns:a16="http://schemas.microsoft.com/office/drawing/2014/main" id="{B5116D80-547D-13D7-8A4E-AF9F52F0858D}"/>
               </a:ext>
             </a:extLst>
           </p:cNvPr>
@@ -1597,7 +1597,7 @@
           <p:cNvPr id="4" name="内容占位符 3">
             <a:extLst>
               <a:ext uri="{FF2B5EF4-FFF2-40B4-BE49-F238E27FC236}">
-                <a16:creationId xmlns:a16="http://schemas.microsoft.com/office/drawing/2014/main" id="{BCC6E9A0-8FD9-ACB2-3DCC-1EBC1B2E8F74}"/>
+                <a16:creationId xmlns:a16="http://schemas.microsoft.com/office/drawing/2014/main" id="{AE90BBF5-15E8-7DE5-4C8B-9C6E31FFE78C}"/>
               </a:ext>
             </a:extLst>
           </p:cNvPr>
@@ -1659,7 +1659,7 @@
           <p:cNvPr id="5" name="文本占位符 4">
             <a:extLst>
               <a:ext uri="{FF2B5EF4-FFF2-40B4-BE49-F238E27FC236}">
-                <a16:creationId xmlns:a16="http://schemas.microsoft.com/office/drawing/2014/main" id="{59AA2DEE-14BE-2BDD-096D-75115830DADB}"/>
+                <a16:creationId xmlns:a16="http://schemas.microsoft.com/office/drawing/2014/main" id="{1CCD4734-8405-34CE-B1C5-F0C17017A376}"/>
               </a:ext>
             </a:extLst>
           </p:cNvPr>
@@ -1730,7 +1730,7 @@
           <p:cNvPr id="6" name="内容占位符 5">
             <a:extLst>
               <a:ext uri="{FF2B5EF4-FFF2-40B4-BE49-F238E27FC236}">
-                <a16:creationId xmlns:a16="http://schemas.microsoft.com/office/drawing/2014/main" id="{AED4A2EC-05BA-DAA0-2277-6EB2BB11FBF3}"/>
+                <a16:creationId xmlns:a16="http://schemas.microsoft.com/office/drawing/2014/main" id="{425AE827-D2F2-F795-D497-F776433FC4DF}"/>
               </a:ext>
             </a:extLst>
           </p:cNvPr>
@@ -1792,7 +1792,7 @@
           <p:cNvPr id="7" name="日期占位符 6">
             <a:extLst>
               <a:ext uri="{FF2B5EF4-FFF2-40B4-BE49-F238E27FC236}">
-                <a16:creationId xmlns:a16="http://schemas.microsoft.com/office/drawing/2014/main" id="{184B536A-EF90-45BA-C0D5-00C5956D036E}"/>
+                <a16:creationId xmlns:a16="http://schemas.microsoft.com/office/drawing/2014/main" id="{45F75835-35D5-8DEE-4F80-581996E19403}"/>
               </a:ext>
             </a:extLst>
           </p:cNvPr>
@@ -1808,7 +1808,7 @@
           <a:bodyPr/>
           <a:lstStyle/>
           <a:p>
-            <a:fld id="{4748C4EB-7C04-4E16-A3A4-FA6E305D1954}" type="datetimeFigureOut">
+            <a:fld id="{4A4E5BE1-211C-4FC7-BE73-B2FB116DDEC7}" type="datetimeFigureOut">
               <a:rPr lang="zh-CN" altLang="en-US" smtClean="0"/>
               <a:t>2024/3/10</a:t>
             </a:fld>
@@ -1821,7 +1821,7 @@
           <p:cNvPr id="8" name="页脚占位符 7">
             <a:extLst>
               <a:ext uri="{FF2B5EF4-FFF2-40B4-BE49-F238E27FC236}">
-                <a16:creationId xmlns:a16="http://schemas.microsoft.com/office/drawing/2014/main" id="{80328915-078B-FA12-1429-D7ACC2FAA5CB}"/>
+                <a16:creationId xmlns:a16="http://schemas.microsoft.com/office/drawing/2014/main" id="{CCA6861F-55DD-D6CF-A46F-E5E343FEEA40}"/>
               </a:ext>
             </a:extLst>
           </p:cNvPr>
@@ -1846,7 +1846,7 @@
           <p:cNvPr id="9" name="灯片编号占位符 8">
             <a:extLst>
               <a:ext uri="{FF2B5EF4-FFF2-40B4-BE49-F238E27FC236}">
-                <a16:creationId xmlns:a16="http://schemas.microsoft.com/office/drawing/2014/main" id="{E70DE5D6-B701-A6F8-3CD0-0EF8926F9FAD}"/>
+                <a16:creationId xmlns:a16="http://schemas.microsoft.com/office/drawing/2014/main" id="{8EEC94B1-6B38-090D-5DD5-A746DDC4EA6C}"/>
               </a:ext>
             </a:extLst>
           </p:cNvPr>
@@ -1862,7 +1862,7 @@
           <a:bodyPr/>
           <a:lstStyle/>
           <a:p>
-            <a:fld id="{A18A5969-8264-41F0-9E13-88893951A912}" type="slidenum">
+            <a:fld id="{C3769FA3-D78A-431E-B2B4-816663F8AD9B}" type="slidenum">
               <a:rPr lang="zh-CN" altLang="en-US" smtClean="0"/>
               <a:t>‹#›</a:t>
             </a:fld>
@@ -1873,7 +1873,7 @@
     </p:spTree>
     <p:extLst>
       <p:ext uri="{BB962C8B-B14F-4D97-AF65-F5344CB8AC3E}">
-        <p14:creationId xmlns:p14="http://schemas.microsoft.com/office/powerpoint/2010/main" val="735900790"/>
+        <p14:creationId xmlns:p14="http://schemas.microsoft.com/office/powerpoint/2010/main" val="3426680542"/>
       </p:ext>
     </p:extLst>
   </p:cSld>
@@ -1905,7 +1905,7 @@
           <p:cNvPr id="2" name="标题 1">
             <a:extLst>
               <a:ext uri="{FF2B5EF4-FFF2-40B4-BE49-F238E27FC236}">
-                <a16:creationId xmlns:a16="http://schemas.microsoft.com/office/drawing/2014/main" id="{53733E9D-672B-A427-54CB-D7189FB167FE}"/>
+                <a16:creationId xmlns:a16="http://schemas.microsoft.com/office/drawing/2014/main" id="{E76A16B2-9B94-C8CF-3B5D-8F95275515BE}"/>
               </a:ext>
             </a:extLst>
           </p:cNvPr>
@@ -1933,7 +1933,7 @@
           <p:cNvPr id="3" name="日期占位符 2">
             <a:extLst>
               <a:ext uri="{FF2B5EF4-FFF2-40B4-BE49-F238E27FC236}">
-                <a16:creationId xmlns:a16="http://schemas.microsoft.com/office/drawing/2014/main" id="{4CE8B275-3A8B-7D5E-EDAF-6488F4197BE8}"/>
+                <a16:creationId xmlns:a16="http://schemas.microsoft.com/office/drawing/2014/main" id="{513B27C6-A493-5A56-8443-838E8AD071E3}"/>
               </a:ext>
             </a:extLst>
           </p:cNvPr>
@@ -1949,7 +1949,7 @@
           <a:bodyPr/>
           <a:lstStyle/>
           <a:p>
-            <a:fld id="{4748C4EB-7C04-4E16-A3A4-FA6E305D1954}" type="datetimeFigureOut">
+            <a:fld id="{4A4E5BE1-211C-4FC7-BE73-B2FB116DDEC7}" type="datetimeFigureOut">
               <a:rPr lang="zh-CN" altLang="en-US" smtClean="0"/>
               <a:t>2024/3/10</a:t>
             </a:fld>
@@ -1962,7 +1962,7 @@
           <p:cNvPr id="4" name="页脚占位符 3">
             <a:extLst>
               <a:ext uri="{FF2B5EF4-FFF2-40B4-BE49-F238E27FC236}">
-                <a16:creationId xmlns:a16="http://schemas.microsoft.com/office/drawing/2014/main" id="{47B81DE6-53AE-D799-410E-3B97AFA0C5C3}"/>
+                <a16:creationId xmlns:a16="http://schemas.microsoft.com/office/drawing/2014/main" id="{99AECA81-D1FF-23F3-5839-08F59C7140DE}"/>
               </a:ext>
             </a:extLst>
           </p:cNvPr>
@@ -1987,7 +1987,7 @@
           <p:cNvPr id="5" name="灯片编号占位符 4">
             <a:extLst>
               <a:ext uri="{FF2B5EF4-FFF2-40B4-BE49-F238E27FC236}">
-                <a16:creationId xmlns:a16="http://schemas.microsoft.com/office/drawing/2014/main" id="{B3C4EED9-347D-EB54-682C-133C8CF4D4B0}"/>
+                <a16:creationId xmlns:a16="http://schemas.microsoft.com/office/drawing/2014/main" id="{93B40AD4-4C0C-B7CE-9902-2923D02A509A}"/>
               </a:ext>
             </a:extLst>
           </p:cNvPr>
@@ -2003,7 +2003,7 @@
           <a:bodyPr/>
           <a:lstStyle/>
           <a:p>
-            <a:fld id="{A18A5969-8264-41F0-9E13-88893951A912}" type="slidenum">
+            <a:fld id="{C3769FA3-D78A-431E-B2B4-816663F8AD9B}" type="slidenum">
               <a:rPr lang="zh-CN" altLang="en-US" smtClean="0"/>
               <a:t>‹#›</a:t>
             </a:fld>
@@ -2014,7 +2014,7 @@
     </p:spTree>
     <p:extLst>
       <p:ext uri="{BB962C8B-B14F-4D97-AF65-F5344CB8AC3E}">
-        <p14:creationId xmlns:p14="http://schemas.microsoft.com/office/powerpoint/2010/main" val="204530163"/>
+        <p14:creationId xmlns:p14="http://schemas.microsoft.com/office/powerpoint/2010/main" val="2401759144"/>
       </p:ext>
     </p:extLst>
   </p:cSld>
@@ -2046,7 +2046,7 @@
           <p:cNvPr id="2" name="日期占位符 1">
             <a:extLst>
               <a:ext uri="{FF2B5EF4-FFF2-40B4-BE49-F238E27FC236}">
-                <a16:creationId xmlns:a16="http://schemas.microsoft.com/office/drawing/2014/main" id="{6593B69D-C92F-4065-D9B8-39EAF6B61343}"/>
+                <a16:creationId xmlns:a16="http://schemas.microsoft.com/office/drawing/2014/main" id="{8F1746F8-C430-E3ED-5AA4-3A52F4886B54}"/>
               </a:ext>
             </a:extLst>
           </p:cNvPr>
@@ -2062,7 +2062,7 @@
           <a:bodyPr/>
           <a:lstStyle/>
           <a:p>
-            <a:fld id="{4748C4EB-7C04-4E16-A3A4-FA6E305D1954}" type="datetimeFigureOut">
+            <a:fld id="{4A4E5BE1-211C-4FC7-BE73-B2FB116DDEC7}" type="datetimeFigureOut">
               <a:rPr lang="zh-CN" altLang="en-US" smtClean="0"/>
               <a:t>2024/3/10</a:t>
             </a:fld>
@@ -2075,7 +2075,7 @@
           <p:cNvPr id="3" name="页脚占位符 2">
             <a:extLst>
               <a:ext uri="{FF2B5EF4-FFF2-40B4-BE49-F238E27FC236}">
-                <a16:creationId xmlns:a16="http://schemas.microsoft.com/office/drawing/2014/main" id="{FB54BA59-1643-1458-F7AC-B81B5B11C4F6}"/>
+                <a16:creationId xmlns:a16="http://schemas.microsoft.com/office/drawing/2014/main" id="{77AB4CB0-0904-1233-3669-C3A21009E530}"/>
               </a:ext>
             </a:extLst>
           </p:cNvPr>
@@ -2100,7 +2100,7 @@
           <p:cNvPr id="4" name="灯片编号占位符 3">
             <a:extLst>
               <a:ext uri="{FF2B5EF4-FFF2-40B4-BE49-F238E27FC236}">
-                <a16:creationId xmlns:a16="http://schemas.microsoft.com/office/drawing/2014/main" id="{6E85247F-0E71-8D58-0CC5-3B02364C8267}"/>
+                <a16:creationId xmlns:a16="http://schemas.microsoft.com/office/drawing/2014/main" id="{C5D13D70-BF03-6357-0E01-F0E5283DB983}"/>
               </a:ext>
             </a:extLst>
           </p:cNvPr>
@@ -2116,7 +2116,7 @@
           <a:bodyPr/>
           <a:lstStyle/>
           <a:p>
-            <a:fld id="{A18A5969-8264-41F0-9E13-88893951A912}" type="slidenum">
+            <a:fld id="{C3769FA3-D78A-431E-B2B4-816663F8AD9B}" type="slidenum">
               <a:rPr lang="zh-CN" altLang="en-US" smtClean="0"/>
               <a:t>‹#›</a:t>
             </a:fld>
@@ -2127,7 +2127,7 @@
     </p:spTree>
     <p:extLst>
       <p:ext uri="{BB962C8B-B14F-4D97-AF65-F5344CB8AC3E}">
-        <p14:creationId xmlns:p14="http://schemas.microsoft.com/office/powerpoint/2010/main" val="703998299"/>
+        <p14:creationId xmlns:p14="http://schemas.microsoft.com/office/powerpoint/2010/main" val="1130313366"/>
       </p:ext>
     </p:extLst>
   </p:cSld>
@@ -2159,7 +2159,7 @@
           <p:cNvPr id="2" name="标题 1">
             <a:extLst>
               <a:ext uri="{FF2B5EF4-FFF2-40B4-BE49-F238E27FC236}">
-                <a16:creationId xmlns:a16="http://schemas.microsoft.com/office/drawing/2014/main" id="{789EBD37-55BF-9EFB-BC9B-BF6CEB2D124A}"/>
+                <a16:creationId xmlns:a16="http://schemas.microsoft.com/office/drawing/2014/main" id="{A67DE8B2-FAEF-2F61-4A3A-1949FD297554}"/>
               </a:ext>
             </a:extLst>
           </p:cNvPr>
@@ -2196,7 +2196,7 @@
           <p:cNvPr id="3" name="内容占位符 2">
             <a:extLst>
               <a:ext uri="{FF2B5EF4-FFF2-40B4-BE49-F238E27FC236}">
-                <a16:creationId xmlns:a16="http://schemas.microsoft.com/office/drawing/2014/main" id="{EF50D2F7-28F8-2D47-CF14-2556B7CD2CFD}"/>
+                <a16:creationId xmlns:a16="http://schemas.microsoft.com/office/drawing/2014/main" id="{F855A8E8-E599-70C7-F3CE-0EB6C5633FDA}"/>
               </a:ext>
             </a:extLst>
           </p:cNvPr>
@@ -2286,7 +2286,7 @@
           <p:cNvPr id="4" name="文本占位符 3">
             <a:extLst>
               <a:ext uri="{FF2B5EF4-FFF2-40B4-BE49-F238E27FC236}">
-                <a16:creationId xmlns:a16="http://schemas.microsoft.com/office/drawing/2014/main" id="{4926349A-787F-7D1D-BF2E-2DC606F53D08}"/>
+                <a16:creationId xmlns:a16="http://schemas.microsoft.com/office/drawing/2014/main" id="{3E8A6C04-9F5F-F6E5-452D-A2887DD6C15E}"/>
               </a:ext>
             </a:extLst>
           </p:cNvPr>
@@ -2357,7 +2357,7 @@
           <p:cNvPr id="5" name="日期占位符 4">
             <a:extLst>
               <a:ext uri="{FF2B5EF4-FFF2-40B4-BE49-F238E27FC236}">
-                <a16:creationId xmlns:a16="http://schemas.microsoft.com/office/drawing/2014/main" id="{E63CD301-470D-7374-A85C-3203DE54F9C4}"/>
+                <a16:creationId xmlns:a16="http://schemas.microsoft.com/office/drawing/2014/main" id="{4050D237-C55A-D7C4-DA12-5B4B6808F215}"/>
               </a:ext>
             </a:extLst>
           </p:cNvPr>
@@ -2373,7 +2373,7 @@
           <a:bodyPr/>
           <a:lstStyle/>
           <a:p>
-            <a:fld id="{4748C4EB-7C04-4E16-A3A4-FA6E305D1954}" type="datetimeFigureOut">
+            <a:fld id="{4A4E5BE1-211C-4FC7-BE73-B2FB116DDEC7}" type="datetimeFigureOut">
               <a:rPr lang="zh-CN" altLang="en-US" smtClean="0"/>
               <a:t>2024/3/10</a:t>
             </a:fld>
@@ -2386,7 +2386,7 @@
           <p:cNvPr id="6" name="页脚占位符 5">
             <a:extLst>
               <a:ext uri="{FF2B5EF4-FFF2-40B4-BE49-F238E27FC236}">
-                <a16:creationId xmlns:a16="http://schemas.microsoft.com/office/drawing/2014/main" id="{EA8A2107-BE37-9D38-1B66-13CAA386033C}"/>
+                <a16:creationId xmlns:a16="http://schemas.microsoft.com/office/drawing/2014/main" id="{4E02CBA2-9D9D-D66F-92AC-F02359B12E2A}"/>
               </a:ext>
             </a:extLst>
           </p:cNvPr>
@@ -2411,7 +2411,7 @@
           <p:cNvPr id="7" name="灯片编号占位符 6">
             <a:extLst>
               <a:ext uri="{FF2B5EF4-FFF2-40B4-BE49-F238E27FC236}">
-                <a16:creationId xmlns:a16="http://schemas.microsoft.com/office/drawing/2014/main" id="{EB04BDC3-EE4A-0522-9154-712D4D74704F}"/>
+                <a16:creationId xmlns:a16="http://schemas.microsoft.com/office/drawing/2014/main" id="{E7C7D86C-7A53-D37A-A5FE-0C928604B38F}"/>
               </a:ext>
             </a:extLst>
           </p:cNvPr>
@@ -2427,7 +2427,7 @@
           <a:bodyPr/>
           <a:lstStyle/>
           <a:p>
-            <a:fld id="{A18A5969-8264-41F0-9E13-88893951A912}" type="slidenum">
+            <a:fld id="{C3769FA3-D78A-431E-B2B4-816663F8AD9B}" type="slidenum">
               <a:rPr lang="zh-CN" altLang="en-US" smtClean="0"/>
               <a:t>‹#›</a:t>
             </a:fld>
@@ -2438,7 +2438,7 @@
     </p:spTree>
     <p:extLst>
       <p:ext uri="{BB962C8B-B14F-4D97-AF65-F5344CB8AC3E}">
-        <p14:creationId xmlns:p14="http://schemas.microsoft.com/office/powerpoint/2010/main" val="2032979860"/>
+        <p14:creationId xmlns:p14="http://schemas.microsoft.com/office/powerpoint/2010/main" val="1486726745"/>
       </p:ext>
     </p:extLst>
   </p:cSld>
@@ -2470,7 +2470,7 @@
           <p:cNvPr id="2" name="标题 1">
             <a:extLst>
               <a:ext uri="{FF2B5EF4-FFF2-40B4-BE49-F238E27FC236}">
-                <a16:creationId xmlns:a16="http://schemas.microsoft.com/office/drawing/2014/main" id="{303D6183-E237-8279-3472-7F49BE0DF11E}"/>
+                <a16:creationId xmlns:a16="http://schemas.microsoft.com/office/drawing/2014/main" id="{728AE139-46F7-3EB1-9EB6-09E39652C28D}"/>
               </a:ext>
             </a:extLst>
           </p:cNvPr>
@@ -2507,7 +2507,7 @@
           <p:cNvPr id="3" name="图片占位符 2">
             <a:extLst>
               <a:ext uri="{FF2B5EF4-FFF2-40B4-BE49-F238E27FC236}">
-                <a16:creationId xmlns:a16="http://schemas.microsoft.com/office/drawing/2014/main" id="{5EC52F01-BE4A-91C0-2478-7B2878E82804}"/>
+                <a16:creationId xmlns:a16="http://schemas.microsoft.com/office/drawing/2014/main" id="{73522EED-7719-1B29-85FB-4AB1657D200C}"/>
               </a:ext>
             </a:extLst>
           </p:cNvPr>
@@ -2574,7 +2574,7 @@
           <p:cNvPr id="4" name="文本占位符 3">
             <a:extLst>
               <a:ext uri="{FF2B5EF4-FFF2-40B4-BE49-F238E27FC236}">
-                <a16:creationId xmlns:a16="http://schemas.microsoft.com/office/drawing/2014/main" id="{84E71C3F-3BF6-BA20-C450-B6F74324FBAE}"/>
+                <a16:creationId xmlns:a16="http://schemas.microsoft.com/office/drawing/2014/main" id="{54207652-7894-676F-F0F1-1B7A1F190B1D}"/>
               </a:ext>
             </a:extLst>
           </p:cNvPr>
@@ -2645,7 +2645,7 @@
           <p:cNvPr id="5" name="日期占位符 4">
             <a:extLst>
               <a:ext uri="{FF2B5EF4-FFF2-40B4-BE49-F238E27FC236}">
-                <a16:creationId xmlns:a16="http://schemas.microsoft.com/office/drawing/2014/main" id="{3E343547-DA8C-5A66-2C67-0FEFD8A504CD}"/>
+                <a16:creationId xmlns:a16="http://schemas.microsoft.com/office/drawing/2014/main" id="{C3F85A9D-C3CC-5A32-DF7F-6DE975E89384}"/>
               </a:ext>
             </a:extLst>
           </p:cNvPr>
@@ -2661,7 +2661,7 @@
           <a:bodyPr/>
           <a:lstStyle/>
           <a:p>
-            <a:fld id="{4748C4EB-7C04-4E16-A3A4-FA6E305D1954}" type="datetimeFigureOut">
+            <a:fld id="{4A4E5BE1-211C-4FC7-BE73-B2FB116DDEC7}" type="datetimeFigureOut">
               <a:rPr lang="zh-CN" altLang="en-US" smtClean="0"/>
               <a:t>2024/3/10</a:t>
             </a:fld>
@@ -2674,7 +2674,7 @@
           <p:cNvPr id="6" name="页脚占位符 5">
             <a:extLst>
               <a:ext uri="{FF2B5EF4-FFF2-40B4-BE49-F238E27FC236}">
-                <a16:creationId xmlns:a16="http://schemas.microsoft.com/office/drawing/2014/main" id="{DFEBF90A-B0DB-01B3-0EB1-ACF2048EC32E}"/>
+                <a16:creationId xmlns:a16="http://schemas.microsoft.com/office/drawing/2014/main" id="{3C2EFCC3-0F64-4A86-0C90-4F4A6B6C6AAD}"/>
               </a:ext>
             </a:extLst>
           </p:cNvPr>
@@ -2699,7 +2699,7 @@
           <p:cNvPr id="7" name="灯片编号占位符 6">
             <a:extLst>
               <a:ext uri="{FF2B5EF4-FFF2-40B4-BE49-F238E27FC236}">
-                <a16:creationId xmlns:a16="http://schemas.microsoft.com/office/drawing/2014/main" id="{EBD2F68C-3A5A-2683-E715-F01334C17F83}"/>
+                <a16:creationId xmlns:a16="http://schemas.microsoft.com/office/drawing/2014/main" id="{0C02E1C9-7301-C2F7-1B3B-F1CDB5C1C843}"/>
               </a:ext>
             </a:extLst>
           </p:cNvPr>
@@ -2715,7 +2715,7 @@
           <a:bodyPr/>
           <a:lstStyle/>
           <a:p>
-            <a:fld id="{A18A5969-8264-41F0-9E13-88893951A912}" type="slidenum">
+            <a:fld id="{C3769FA3-D78A-431E-B2B4-816663F8AD9B}" type="slidenum">
               <a:rPr lang="zh-CN" altLang="en-US" smtClean="0"/>
               <a:t>‹#›</a:t>
             </a:fld>
@@ -2726,7 +2726,7 @@
     </p:spTree>
     <p:extLst>
       <p:ext uri="{BB962C8B-B14F-4D97-AF65-F5344CB8AC3E}">
-        <p14:creationId xmlns:p14="http://schemas.microsoft.com/office/powerpoint/2010/main" val="1885853462"/>
+        <p14:creationId xmlns:p14="http://schemas.microsoft.com/office/powerpoint/2010/main" val="1141672879"/>
       </p:ext>
     </p:extLst>
   </p:cSld>
@@ -2763,7 +2763,7 @@
           <p:cNvPr id="2" name="标题占位符 1">
             <a:extLst>
               <a:ext uri="{FF2B5EF4-FFF2-40B4-BE49-F238E27FC236}">
-                <a16:creationId xmlns:a16="http://schemas.microsoft.com/office/drawing/2014/main" id="{12D37884-59FA-B673-1355-67DF4259BE84}"/>
+                <a16:creationId xmlns:a16="http://schemas.microsoft.com/office/drawing/2014/main" id="{C6DEA178-D2E9-629E-4038-D864088E13B9}"/>
               </a:ext>
             </a:extLst>
           </p:cNvPr>
@@ -2801,7 +2801,7 @@
           <p:cNvPr id="3" name="文本占位符 2">
             <a:extLst>
               <a:ext uri="{FF2B5EF4-FFF2-40B4-BE49-F238E27FC236}">
-                <a16:creationId xmlns:a16="http://schemas.microsoft.com/office/drawing/2014/main" id="{EE0F6DCB-1A26-8445-DE7D-51E46A9F3193}"/>
+                <a16:creationId xmlns:a16="http://schemas.microsoft.com/office/drawing/2014/main" id="{C0478111-61BB-A3A9-B43F-7BB31BD30F31}"/>
               </a:ext>
             </a:extLst>
           </p:cNvPr>
@@ -2868,7 +2868,7 @@
           <p:cNvPr id="4" name="日期占位符 3">
             <a:extLst>
               <a:ext uri="{FF2B5EF4-FFF2-40B4-BE49-F238E27FC236}">
-                <a16:creationId xmlns:a16="http://schemas.microsoft.com/office/drawing/2014/main" id="{BB4771E5-66AE-8305-A413-400FD54CA2F1}"/>
+                <a16:creationId xmlns:a16="http://schemas.microsoft.com/office/drawing/2014/main" id="{C7BBFEC4-AB52-3685-C3EC-BD3A11288FC5}"/>
               </a:ext>
             </a:extLst>
           </p:cNvPr>
@@ -2902,7 +2902,7 @@
             </a:lvl1pPr>
           </a:lstStyle>
           <a:p>
-            <a:fld id="{4748C4EB-7C04-4E16-A3A4-FA6E305D1954}" type="datetimeFigureOut">
+            <a:fld id="{4A4E5BE1-211C-4FC7-BE73-B2FB116DDEC7}" type="datetimeFigureOut">
               <a:rPr lang="zh-CN" altLang="en-US" smtClean="0"/>
               <a:t>2024/3/10</a:t>
             </a:fld>
@@ -2915,7 +2915,7 @@
           <p:cNvPr id="5" name="页脚占位符 4">
             <a:extLst>
               <a:ext uri="{FF2B5EF4-FFF2-40B4-BE49-F238E27FC236}">
-                <a16:creationId xmlns:a16="http://schemas.microsoft.com/office/drawing/2014/main" id="{0D4A9855-9535-E263-8090-FCAD1D550D66}"/>
+                <a16:creationId xmlns:a16="http://schemas.microsoft.com/office/drawing/2014/main" id="{49E3D1D2-D9B2-F2BB-EEDD-98C6CDC2EC96}"/>
               </a:ext>
             </a:extLst>
           </p:cNvPr>
@@ -2958,7 +2958,7 @@
           <p:cNvPr id="6" name="灯片编号占位符 5">
             <a:extLst>
               <a:ext uri="{FF2B5EF4-FFF2-40B4-BE49-F238E27FC236}">
-                <a16:creationId xmlns:a16="http://schemas.microsoft.com/office/drawing/2014/main" id="{7EE5B7CA-156E-C0A8-4988-69D0422C4103}"/>
+                <a16:creationId xmlns:a16="http://schemas.microsoft.com/office/drawing/2014/main" id="{7FBCBE4A-B0BF-B70A-ADCD-1BADBA67B27A}"/>
               </a:ext>
             </a:extLst>
           </p:cNvPr>
@@ -2992,7 +2992,7 @@
             </a:lvl1pPr>
           </a:lstStyle>
           <a:p>
-            <a:fld id="{A18A5969-8264-41F0-9E13-88893951A912}" type="slidenum">
+            <a:fld id="{C3769FA3-D78A-431E-B2B4-816663F8AD9B}" type="slidenum">
               <a:rPr lang="zh-CN" altLang="en-US" smtClean="0"/>
               <a:t>‹#›</a:t>
             </a:fld>
@@ -3003,7 +3003,7 @@
     </p:spTree>
     <p:extLst>
       <p:ext uri="{BB962C8B-B14F-4D97-AF65-F5344CB8AC3E}">
-        <p14:creationId xmlns:p14="http://schemas.microsoft.com/office/powerpoint/2010/main" val="4149667273"/>
+        <p14:creationId xmlns:p14="http://schemas.microsoft.com/office/powerpoint/2010/main" val="2112466552"/>
       </p:ext>
     </p:extLst>
   </p:cSld>
